--- a/TDP/1o. Semestre 2018/Apresentação.pptx
+++ b/TDP/1o. Semestre 2018/Apresentação.pptx
@@ -17,6 +17,14 @@
     <p:sldId id="265" r:id="rId11"/>
     <p:sldId id="266" r:id="rId12"/>
     <p:sldId id="267" r:id="rId13"/>
+    <p:sldId id="268" r:id="rId14"/>
+    <p:sldId id="269" r:id="rId15"/>
+    <p:sldId id="270" r:id="rId16"/>
+    <p:sldId id="271" r:id="rId17"/>
+    <p:sldId id="272" r:id="rId18"/>
+    <p:sldId id="273" r:id="rId19"/>
+    <p:sldId id="274" r:id="rId20"/>
+    <p:sldId id="275" r:id="rId21"/>
   </p:sldIdLst>
   <p:sldSz cx="12192000" cy="6858000"/>
   <p:notesSz cx="6858000" cy="9144000"/>
@@ -115,6 +123,11 @@
       </a:defRPr>
     </a:lvl9pPr>
   </p:defaultTextStyle>
+  <p:extLst>
+    <p:ext uri="{EFAFB233-063F-42B5-8137-9DF3F51BA10A}">
+      <p15:sldGuideLst xmlns:p15="http://schemas.microsoft.com/office/powerpoint/2012/main"/>
+    </p:ext>
+  </p:extLst>
 </p:presentation>
 </file>
 
@@ -249,7 +262,7 @@
           <a:p>
             <a:fld id="{63130217-426C-451B-95D5-CA6E3A5E77DA}" type="datetimeFigureOut">
               <a:rPr lang="pt-BR" smtClean="0"/>
-              <a:t>03/07/2018</a:t>
+              <a:t>21/07/2018</a:t>
             </a:fld>
             <a:endParaRPr lang="pt-BR"/>
           </a:p>
@@ -419,7 +432,7 @@
           <a:p>
             <a:fld id="{63130217-426C-451B-95D5-CA6E3A5E77DA}" type="datetimeFigureOut">
               <a:rPr lang="pt-BR" smtClean="0"/>
-              <a:t>03/07/2018</a:t>
+              <a:t>21/07/2018</a:t>
             </a:fld>
             <a:endParaRPr lang="pt-BR"/>
           </a:p>
@@ -599,7 +612,7 @@
           <a:p>
             <a:fld id="{63130217-426C-451B-95D5-CA6E3A5E77DA}" type="datetimeFigureOut">
               <a:rPr lang="pt-BR" smtClean="0"/>
-              <a:t>03/07/2018</a:t>
+              <a:t>21/07/2018</a:t>
             </a:fld>
             <a:endParaRPr lang="pt-BR"/>
           </a:p>
@@ -769,7 +782,7 @@
           <a:p>
             <a:fld id="{63130217-426C-451B-95D5-CA6E3A5E77DA}" type="datetimeFigureOut">
               <a:rPr lang="pt-BR" smtClean="0"/>
-              <a:t>03/07/2018</a:t>
+              <a:t>21/07/2018</a:t>
             </a:fld>
             <a:endParaRPr lang="pt-BR"/>
           </a:p>
@@ -1015,7 +1028,7 @@
           <a:p>
             <a:fld id="{63130217-426C-451B-95D5-CA6E3A5E77DA}" type="datetimeFigureOut">
               <a:rPr lang="pt-BR" smtClean="0"/>
-              <a:t>03/07/2018</a:t>
+              <a:t>21/07/2018</a:t>
             </a:fld>
             <a:endParaRPr lang="pt-BR"/>
           </a:p>
@@ -1247,7 +1260,7 @@
           <a:p>
             <a:fld id="{63130217-426C-451B-95D5-CA6E3A5E77DA}" type="datetimeFigureOut">
               <a:rPr lang="pt-BR" smtClean="0"/>
-              <a:t>03/07/2018</a:t>
+              <a:t>21/07/2018</a:t>
             </a:fld>
             <a:endParaRPr lang="pt-BR"/>
           </a:p>
@@ -1614,7 +1627,7 @@
           <a:p>
             <a:fld id="{63130217-426C-451B-95D5-CA6E3A5E77DA}" type="datetimeFigureOut">
               <a:rPr lang="pt-BR" smtClean="0"/>
-              <a:t>03/07/2018</a:t>
+              <a:t>21/07/2018</a:t>
             </a:fld>
             <a:endParaRPr lang="pt-BR"/>
           </a:p>
@@ -1732,7 +1745,7 @@
           <a:p>
             <a:fld id="{63130217-426C-451B-95D5-CA6E3A5E77DA}" type="datetimeFigureOut">
               <a:rPr lang="pt-BR" smtClean="0"/>
-              <a:t>03/07/2018</a:t>
+              <a:t>21/07/2018</a:t>
             </a:fld>
             <a:endParaRPr lang="pt-BR"/>
           </a:p>
@@ -1827,7 +1840,7 @@
           <a:p>
             <a:fld id="{63130217-426C-451B-95D5-CA6E3A5E77DA}" type="datetimeFigureOut">
               <a:rPr lang="pt-BR" smtClean="0"/>
-              <a:t>03/07/2018</a:t>
+              <a:t>21/07/2018</a:t>
             </a:fld>
             <a:endParaRPr lang="pt-BR"/>
           </a:p>
@@ -2104,7 +2117,7 @@
           <a:p>
             <a:fld id="{63130217-426C-451B-95D5-CA6E3A5E77DA}" type="datetimeFigureOut">
               <a:rPr lang="pt-BR" smtClean="0"/>
-              <a:t>03/07/2018</a:t>
+              <a:t>21/07/2018</a:t>
             </a:fld>
             <a:endParaRPr lang="pt-BR"/>
           </a:p>
@@ -2357,7 +2370,7 @@
           <a:p>
             <a:fld id="{63130217-426C-451B-95D5-CA6E3A5E77DA}" type="datetimeFigureOut">
               <a:rPr lang="pt-BR" smtClean="0"/>
-              <a:t>03/07/2018</a:t>
+              <a:t>21/07/2018</a:t>
             </a:fld>
             <a:endParaRPr lang="pt-BR"/>
           </a:p>
@@ -2570,7 +2583,7 @@
           <a:p>
             <a:fld id="{63130217-426C-451B-95D5-CA6E3A5E77DA}" type="datetimeFigureOut">
               <a:rPr lang="pt-BR" smtClean="0"/>
-              <a:t>03/07/2018</a:t>
+              <a:t>21/07/2018</a:t>
             </a:fld>
             <a:endParaRPr lang="pt-BR"/>
           </a:p>
@@ -3225,7 +3238,7 @@
                 <a:latin typeface="Arial" panose="020B0604020202020204" pitchFamily="34" charset="0"/>
                 <a:cs typeface="Arial" panose="020B0604020202020204" pitchFamily="34" charset="0"/>
               </a:rPr>
-              <a:t>1. Abstração</a:t>
+              <a:t>4. Polimorfismo</a:t>
             </a:r>
             <a:endParaRPr lang="pt-BR" sz="4000" b="1" dirty="0">
               <a:effectLst>
@@ -3241,46 +3254,34 @@
           </a:p>
         </p:txBody>
       </p:sp>
-      <p:sp>
-        <p:nvSpPr>
-          <p:cNvPr id="5" name="CaixaDeTexto 4"/>
-          <p:cNvSpPr txBox="1"/>
+      <p:pic>
+        <p:nvPicPr>
+          <p:cNvPr id="2" name="Imagem 1"/>
+          <p:cNvPicPr>
+            <a:picLocks noChangeAspect="1"/>
+          </p:cNvPicPr>
           <p:nvPr/>
-        </p:nvSpPr>
-        <p:spPr>
-          <a:xfrm>
-            <a:off x="1208117" y="2272144"/>
-            <a:ext cx="8401396" cy="523220"/>
+        </p:nvPicPr>
+        <p:blipFill>
+          <a:blip r:embed="rId3"/>
+          <a:stretch>
+            <a:fillRect/>
+          </a:stretch>
+        </p:blipFill>
+        <p:spPr>
+          <a:xfrm>
+            <a:off x="382562" y="1163868"/>
+            <a:ext cx="9542834" cy="5478001"/>
           </a:xfrm>
           <a:prstGeom prst="rect">
             <a:avLst/>
           </a:prstGeom>
-          <a:noFill/>
-        </p:spPr>
-        <p:txBody>
-          <a:bodyPr wrap="square" rtlCol="0">
-            <a:spAutoFit/>
-          </a:bodyPr>
-          <a:lstStyle/>
-          <a:p>
-            <a:r>
-              <a:rPr lang="pt-BR" sz="2800" dirty="0" smtClean="0">
-                <a:latin typeface="Arial" panose="020B0604020202020204" pitchFamily="34" charset="0"/>
-                <a:cs typeface="Arial" panose="020B0604020202020204" pitchFamily="34" charset="0"/>
-              </a:rPr>
-              <a:t>Texto</a:t>
-            </a:r>
-            <a:endParaRPr lang="pt-BR" sz="2800" dirty="0">
-              <a:latin typeface="Arial" panose="020B0604020202020204" pitchFamily="34" charset="0"/>
-              <a:cs typeface="Arial" panose="020B0604020202020204" pitchFamily="34" charset="0"/>
-            </a:endParaRPr>
-          </a:p>
-        </p:txBody>
-      </p:sp>
+        </p:spPr>
+      </p:pic>
     </p:spTree>
     <p:extLst>
       <p:ext uri="{BB962C8B-B14F-4D97-AF65-F5344CB8AC3E}">
-        <p14:creationId xmlns:p14="http://schemas.microsoft.com/office/powerpoint/2010/main" val="3777645008"/>
+        <p14:creationId xmlns:p14="http://schemas.microsoft.com/office/powerpoint/2010/main" val="3092616322"/>
       </p:ext>
     </p:extLst>
   </p:cSld>
@@ -3363,7 +3364,7 @@
                 <a:latin typeface="Arial" panose="020B0604020202020204" pitchFamily="34" charset="0"/>
                 <a:cs typeface="Arial" panose="020B0604020202020204" pitchFamily="34" charset="0"/>
               </a:rPr>
-              <a:t>1. Abstração</a:t>
+              <a:t>5. Apresentação do aplicativo criado</a:t>
             </a:r>
             <a:endParaRPr lang="pt-BR" sz="4000" b="1" dirty="0">
               <a:effectLst>
@@ -3387,8 +3388,8 @@
         </p:nvSpPr>
         <p:spPr>
           <a:xfrm>
-            <a:off x="1208117" y="2272144"/>
-            <a:ext cx="8401396" cy="523220"/>
+            <a:off x="493223" y="1939635"/>
+            <a:ext cx="8401396" cy="2246769"/>
           </a:xfrm>
           <a:prstGeom prst="rect">
             <a:avLst/>
@@ -3401,24 +3402,56 @@
           </a:bodyPr>
           <a:lstStyle/>
           <a:p>
+            <a:pPr algn="just"/>
             <a:r>
               <a:rPr lang="pt-BR" sz="2800" dirty="0" smtClean="0">
                 <a:latin typeface="Arial" panose="020B0604020202020204" pitchFamily="34" charset="0"/>
                 <a:cs typeface="Arial" panose="020B0604020202020204" pitchFamily="34" charset="0"/>
               </a:rPr>
-              <a:t>Texto</a:t>
-            </a:r>
+              <a:t>Foi desenvolvido um aplicativo para celular utilizando o aprendizado obtido no curso.</a:t>
+            </a:r>
+          </a:p>
+          <a:p>
+            <a:pPr algn="just"/>
             <a:endParaRPr lang="pt-BR" sz="2800" dirty="0">
               <a:latin typeface="Arial" panose="020B0604020202020204" pitchFamily="34" charset="0"/>
               <a:cs typeface="Arial" panose="020B0604020202020204" pitchFamily="34" charset="0"/>
             </a:endParaRPr>
           </a:p>
+          <a:p>
+            <a:pPr algn="just"/>
+            <a:r>
+              <a:rPr lang="pt-BR" sz="2800" dirty="0" smtClean="0">
+                <a:latin typeface="Arial" panose="020B0604020202020204" pitchFamily="34" charset="0"/>
+                <a:cs typeface="Arial" panose="020B0604020202020204" pitchFamily="34" charset="0"/>
+              </a:rPr>
+              <a:t>Para o desenvolvimento foi utilizada a plataforma Java e o banco de dados </a:t>
+            </a:r>
+            <a:r>
+              <a:rPr lang="pt-BR" sz="2800" dirty="0" err="1" smtClean="0">
+                <a:latin typeface="Arial" panose="020B0604020202020204" pitchFamily="34" charset="0"/>
+                <a:cs typeface="Arial" panose="020B0604020202020204" pitchFamily="34" charset="0"/>
+              </a:rPr>
+              <a:t>SQLite</a:t>
+            </a:r>
+            <a:r>
+              <a:rPr lang="pt-BR" sz="2800" dirty="0" smtClean="0">
+                <a:latin typeface="Arial" panose="020B0604020202020204" pitchFamily="34" charset="0"/>
+                <a:cs typeface="Arial" panose="020B0604020202020204" pitchFamily="34" charset="0"/>
+              </a:rPr>
+              <a:t>.</a:t>
+            </a:r>
+            <a:endParaRPr lang="pt-BR" sz="2800" dirty="0">
+              <a:latin typeface="Arial" panose="020B0604020202020204" pitchFamily="34" charset="0"/>
+              <a:cs typeface="Arial" panose="020B0604020202020204" pitchFamily="34" charset="0"/>
+            </a:endParaRPr>
+          </a:p>
         </p:txBody>
       </p:sp>
     </p:spTree>
     <p:extLst>
       <p:ext uri="{BB962C8B-B14F-4D97-AF65-F5344CB8AC3E}">
-        <p14:creationId xmlns:p14="http://schemas.microsoft.com/office/powerpoint/2010/main" val="3412923819"/>
+        <p14:creationId xmlns:p14="http://schemas.microsoft.com/office/powerpoint/2010/main" val="41605899"/>
       </p:ext>
     </p:extLst>
   </p:cSld>
@@ -3501,7 +3534,7 @@
                 <a:latin typeface="Arial" panose="020B0604020202020204" pitchFamily="34" charset="0"/>
                 <a:cs typeface="Arial" panose="020B0604020202020204" pitchFamily="34" charset="0"/>
               </a:rPr>
-              <a:t>1. Abstração</a:t>
+              <a:t>5.1 Tela principal</a:t>
             </a:r>
             <a:endParaRPr lang="pt-BR" sz="4000" b="1" dirty="0">
               <a:effectLst>
@@ -3517,16 +3550,97 @@
           </a:p>
         </p:txBody>
       </p:sp>
-      <p:sp>
-        <p:nvSpPr>
-          <p:cNvPr id="5" name="CaixaDeTexto 4"/>
+      <p:pic>
+        <p:nvPicPr>
+          <p:cNvPr id="6" name="Imagem 5"/>
+          <p:cNvPicPr>
+            <a:picLocks noChangeAspect="1"/>
+          </p:cNvPicPr>
+          <p:nvPr/>
+        </p:nvPicPr>
+        <p:blipFill>
+          <a:blip r:embed="rId3">
+            <a:extLst>
+              <a:ext uri="{28A0092B-C50C-407E-A947-70E740481C1C}">
+                <a14:useLocalDpi xmlns:a14="http://schemas.microsoft.com/office/drawing/2010/main" val="0"/>
+              </a:ext>
+            </a:extLst>
+          </a:blip>
+          <a:stretch>
+            <a:fillRect/>
+          </a:stretch>
+        </p:blipFill>
+        <p:spPr>
+          <a:xfrm>
+            <a:off x="4167188" y="1039860"/>
+            <a:ext cx="3272704" cy="5818140"/>
+          </a:xfrm>
+          <a:prstGeom prst="rect">
+            <a:avLst/>
+          </a:prstGeom>
+        </p:spPr>
+      </p:pic>
+    </p:spTree>
+    <p:extLst>
+      <p:ext uri="{BB962C8B-B14F-4D97-AF65-F5344CB8AC3E}">
+        <p14:creationId xmlns:p14="http://schemas.microsoft.com/office/powerpoint/2010/main" val="2124644316"/>
+      </p:ext>
+    </p:extLst>
+  </p:cSld>
+  <p:clrMapOvr>
+    <a:masterClrMapping/>
+  </p:clrMapOvr>
+  <p:timing>
+    <p:tnLst>
+      <p:par>
+        <p:cTn id="1" dur="indefinite" restart="never" nodeType="tmRoot"/>
+      </p:par>
+    </p:tnLst>
+  </p:timing>
+</p:sld>
+</file>
+
+<file path=ppt/slides/slide13.xml><?xml version="1.0" encoding="utf-8"?>
+<p:sld xmlns:a="http://schemas.openxmlformats.org/drawingml/2006/main" xmlns:r="http://schemas.openxmlformats.org/officeDocument/2006/relationships" xmlns:p="http://schemas.openxmlformats.org/presentationml/2006/main">
+  <p:cSld>
+    <p:bg>
+      <p:bgPr>
+        <a:blipFill dpi="0" rotWithShape="1">
+          <a:blip r:embed="rId2">
+            <a:lum/>
+          </a:blip>
+          <a:srcRect/>
+          <a:stretch>
+            <a:fillRect l="-1000" r="-1000"/>
+          </a:stretch>
+        </a:blipFill>
+        <a:effectLst/>
+      </p:bgPr>
+    </p:bg>
+    <p:spTree>
+      <p:nvGrpSpPr>
+        <p:cNvPr id="1" name=""/>
+        <p:cNvGrpSpPr/>
+        <p:nvPr/>
+      </p:nvGrpSpPr>
+      <p:grpSpPr>
+        <a:xfrm>
+          <a:off x="0" y="0"/>
+          <a:ext cx="0" cy="0"/>
+          <a:chOff x="0" y="0"/>
+          <a:chExt cx="0" cy="0"/>
+        </a:xfrm>
+      </p:grpSpPr>
+      <p:sp>
+        <p:nvSpPr>
+          <p:cNvPr id="4" name="CaixaDeTexto 3"/>
           <p:cNvSpPr txBox="1"/>
           <p:nvPr/>
         </p:nvSpPr>
         <p:spPr>
           <a:xfrm>
-            <a:off x="1208117" y="2272144"/>
-            <a:ext cx="8401396" cy="523220"/>
+            <a:off x="349136" y="332509"/>
+            <a:ext cx="9094124" cy="707886"/>
           </a:xfrm>
           <a:prstGeom prst="rect">
             <a:avLst/>
@@ -3539,24 +3653,850 @@
           </a:bodyPr>
           <a:lstStyle/>
           <a:p>
-            <a:r>
-              <a:rPr lang="pt-BR" sz="2800" dirty="0" smtClean="0">
+            <a:pPr algn="ctr"/>
+            <a:r>
+              <a:rPr lang="pt-BR" sz="4000" b="1" dirty="0" smtClean="0">
+                <a:effectLst>
+                  <a:outerShdw blurRad="38100" dist="38100" dir="2700000" algn="tl">
+                    <a:srgbClr val="000000">
+                      <a:alpha val="43137"/>
+                    </a:srgbClr>
+                  </a:outerShdw>
+                </a:effectLst>
                 <a:latin typeface="Arial" panose="020B0604020202020204" pitchFamily="34" charset="0"/>
                 <a:cs typeface="Arial" panose="020B0604020202020204" pitchFamily="34" charset="0"/>
               </a:rPr>
-              <a:t>Texto</a:t>
-            </a:r>
-            <a:endParaRPr lang="pt-BR" sz="2800" dirty="0">
+              <a:t>5.2 Menu</a:t>
+            </a:r>
+          </a:p>
+        </p:txBody>
+      </p:sp>
+      <p:pic>
+        <p:nvPicPr>
+          <p:cNvPr id="2" name="Imagem 1"/>
+          <p:cNvPicPr>
+            <a:picLocks noChangeAspect="1"/>
+          </p:cNvPicPr>
+          <p:nvPr/>
+        </p:nvPicPr>
+        <p:blipFill>
+          <a:blip r:embed="rId3">
+            <a:extLst>
+              <a:ext uri="{28A0092B-C50C-407E-A947-70E740481C1C}">
+                <a14:useLocalDpi xmlns:a14="http://schemas.microsoft.com/office/drawing/2010/main" val="0"/>
+              </a:ext>
+            </a:extLst>
+          </a:blip>
+          <a:stretch>
+            <a:fillRect/>
+          </a:stretch>
+        </p:blipFill>
+        <p:spPr>
+          <a:xfrm>
+            <a:off x="4167187" y="1040394"/>
+            <a:ext cx="3272403" cy="5817605"/>
+          </a:xfrm>
+          <a:prstGeom prst="rect">
+            <a:avLst/>
+          </a:prstGeom>
+        </p:spPr>
+      </p:pic>
+    </p:spTree>
+    <p:extLst>
+      <p:ext uri="{BB962C8B-B14F-4D97-AF65-F5344CB8AC3E}">
+        <p14:creationId xmlns:p14="http://schemas.microsoft.com/office/powerpoint/2010/main" val="1609477047"/>
+      </p:ext>
+    </p:extLst>
+  </p:cSld>
+  <p:clrMapOvr>
+    <a:masterClrMapping/>
+  </p:clrMapOvr>
+  <p:timing>
+    <p:tnLst>
+      <p:par>
+        <p:cTn id="1" dur="indefinite" restart="never" nodeType="tmRoot"/>
+      </p:par>
+    </p:tnLst>
+  </p:timing>
+</p:sld>
+</file>
+
+<file path=ppt/slides/slide14.xml><?xml version="1.0" encoding="utf-8"?>
+<p:sld xmlns:a="http://schemas.openxmlformats.org/drawingml/2006/main" xmlns:r="http://schemas.openxmlformats.org/officeDocument/2006/relationships" xmlns:p="http://schemas.openxmlformats.org/presentationml/2006/main">
+  <p:cSld>
+    <p:bg>
+      <p:bgPr>
+        <a:blipFill dpi="0" rotWithShape="1">
+          <a:blip r:embed="rId2">
+            <a:lum/>
+          </a:blip>
+          <a:srcRect/>
+          <a:stretch>
+            <a:fillRect l="-1000" r="-1000"/>
+          </a:stretch>
+        </a:blipFill>
+        <a:effectLst/>
+      </p:bgPr>
+    </p:bg>
+    <p:spTree>
+      <p:nvGrpSpPr>
+        <p:cNvPr id="1" name=""/>
+        <p:cNvGrpSpPr/>
+        <p:nvPr/>
+      </p:nvGrpSpPr>
+      <p:grpSpPr>
+        <a:xfrm>
+          <a:off x="0" y="0"/>
+          <a:ext cx="0" cy="0"/>
+          <a:chOff x="0" y="0"/>
+          <a:chExt cx="0" cy="0"/>
+        </a:xfrm>
+      </p:grpSpPr>
+      <p:sp>
+        <p:nvSpPr>
+          <p:cNvPr id="4" name="CaixaDeTexto 3"/>
+          <p:cNvSpPr txBox="1"/>
+          <p:nvPr/>
+        </p:nvSpPr>
+        <p:spPr>
+          <a:xfrm>
+            <a:off x="349136" y="332509"/>
+            <a:ext cx="9094124" cy="707886"/>
+          </a:xfrm>
+          <a:prstGeom prst="rect">
+            <a:avLst/>
+          </a:prstGeom>
+          <a:noFill/>
+        </p:spPr>
+        <p:txBody>
+          <a:bodyPr wrap="square" rtlCol="0">
+            <a:spAutoFit/>
+          </a:bodyPr>
+          <a:lstStyle/>
+          <a:p>
+            <a:pPr algn="ctr"/>
+            <a:r>
+              <a:rPr lang="pt-BR" sz="4000" b="1" dirty="0" smtClean="0">
+                <a:effectLst>
+                  <a:outerShdw blurRad="38100" dist="38100" dir="2700000" algn="tl">
+                    <a:srgbClr val="000000">
+                      <a:alpha val="43137"/>
+                    </a:srgbClr>
+                  </a:outerShdw>
+                </a:effectLst>
+                <a:latin typeface="Arial" panose="020B0604020202020204" pitchFamily="34" charset="0"/>
+                <a:cs typeface="Arial" panose="020B0604020202020204" pitchFamily="34" charset="0"/>
+              </a:rPr>
+              <a:t>5.3 Consulta de clientes</a:t>
+            </a:r>
+            <a:endParaRPr lang="pt-BR" sz="4000" b="1" dirty="0">
+              <a:effectLst>
+                <a:outerShdw blurRad="38100" dist="38100" dir="2700000" algn="tl">
+                  <a:srgbClr val="000000">
+                    <a:alpha val="43137"/>
+                  </a:srgbClr>
+                </a:outerShdw>
+              </a:effectLst>
               <a:latin typeface="Arial" panose="020B0604020202020204" pitchFamily="34" charset="0"/>
               <a:cs typeface="Arial" panose="020B0604020202020204" pitchFamily="34" charset="0"/>
             </a:endParaRPr>
           </a:p>
         </p:txBody>
       </p:sp>
+      <p:pic>
+        <p:nvPicPr>
+          <p:cNvPr id="2" name="Imagem 1"/>
+          <p:cNvPicPr>
+            <a:picLocks noChangeAspect="1"/>
+          </p:cNvPicPr>
+          <p:nvPr/>
+        </p:nvPicPr>
+        <p:blipFill>
+          <a:blip r:embed="rId3">
+            <a:extLst>
+              <a:ext uri="{28A0092B-C50C-407E-A947-70E740481C1C}">
+                <a14:useLocalDpi xmlns:a14="http://schemas.microsoft.com/office/drawing/2010/main" val="0"/>
+              </a:ext>
+            </a:extLst>
+          </a:blip>
+          <a:stretch>
+            <a:fillRect/>
+          </a:stretch>
+        </p:blipFill>
+        <p:spPr>
+          <a:xfrm>
+            <a:off x="4167188" y="1039860"/>
+            <a:ext cx="3272704" cy="5818140"/>
+          </a:xfrm>
+          <a:prstGeom prst="rect">
+            <a:avLst/>
+          </a:prstGeom>
+        </p:spPr>
+      </p:pic>
     </p:spTree>
     <p:extLst>
       <p:ext uri="{BB962C8B-B14F-4D97-AF65-F5344CB8AC3E}">
-        <p14:creationId xmlns:p14="http://schemas.microsoft.com/office/powerpoint/2010/main" val="2282337246"/>
+        <p14:creationId xmlns:p14="http://schemas.microsoft.com/office/powerpoint/2010/main" val="3326262417"/>
+      </p:ext>
+    </p:extLst>
+  </p:cSld>
+  <p:clrMapOvr>
+    <a:masterClrMapping/>
+  </p:clrMapOvr>
+  <p:timing>
+    <p:tnLst>
+      <p:par>
+        <p:cTn id="1" dur="indefinite" restart="never" nodeType="tmRoot"/>
+      </p:par>
+    </p:tnLst>
+  </p:timing>
+</p:sld>
+</file>
+
+<file path=ppt/slides/slide15.xml><?xml version="1.0" encoding="utf-8"?>
+<p:sld xmlns:a="http://schemas.openxmlformats.org/drawingml/2006/main" xmlns:r="http://schemas.openxmlformats.org/officeDocument/2006/relationships" xmlns:p="http://schemas.openxmlformats.org/presentationml/2006/main">
+  <p:cSld>
+    <p:bg>
+      <p:bgPr>
+        <a:blipFill dpi="0" rotWithShape="1">
+          <a:blip r:embed="rId2">
+            <a:lum/>
+          </a:blip>
+          <a:srcRect/>
+          <a:stretch>
+            <a:fillRect l="-1000" r="-1000"/>
+          </a:stretch>
+        </a:blipFill>
+        <a:effectLst/>
+      </p:bgPr>
+    </p:bg>
+    <p:spTree>
+      <p:nvGrpSpPr>
+        <p:cNvPr id="1" name=""/>
+        <p:cNvGrpSpPr/>
+        <p:nvPr/>
+      </p:nvGrpSpPr>
+      <p:grpSpPr>
+        <a:xfrm>
+          <a:off x="0" y="0"/>
+          <a:ext cx="0" cy="0"/>
+          <a:chOff x="0" y="0"/>
+          <a:chExt cx="0" cy="0"/>
+        </a:xfrm>
+      </p:grpSpPr>
+      <p:sp>
+        <p:nvSpPr>
+          <p:cNvPr id="4" name="CaixaDeTexto 3"/>
+          <p:cNvSpPr txBox="1"/>
+          <p:nvPr/>
+        </p:nvSpPr>
+        <p:spPr>
+          <a:xfrm>
+            <a:off x="349136" y="332509"/>
+            <a:ext cx="9094124" cy="707886"/>
+          </a:xfrm>
+          <a:prstGeom prst="rect">
+            <a:avLst/>
+          </a:prstGeom>
+          <a:noFill/>
+        </p:spPr>
+        <p:txBody>
+          <a:bodyPr wrap="square" rtlCol="0">
+            <a:spAutoFit/>
+          </a:bodyPr>
+          <a:lstStyle/>
+          <a:p>
+            <a:pPr algn="ctr"/>
+            <a:r>
+              <a:rPr lang="pt-BR" sz="4000" b="1" dirty="0" smtClean="0">
+                <a:effectLst>
+                  <a:outerShdw blurRad="38100" dist="38100" dir="2700000" algn="tl">
+                    <a:srgbClr val="000000">
+                      <a:alpha val="43137"/>
+                    </a:srgbClr>
+                  </a:outerShdw>
+                </a:effectLst>
+                <a:latin typeface="Arial" panose="020B0604020202020204" pitchFamily="34" charset="0"/>
+                <a:cs typeface="Arial" panose="020B0604020202020204" pitchFamily="34" charset="0"/>
+              </a:rPr>
+              <a:t>5.4 Cadastro de clientes</a:t>
+            </a:r>
+            <a:endParaRPr lang="pt-BR" sz="4000" b="1" dirty="0">
+              <a:effectLst>
+                <a:outerShdw blurRad="38100" dist="38100" dir="2700000" algn="tl">
+                  <a:srgbClr val="000000">
+                    <a:alpha val="43137"/>
+                  </a:srgbClr>
+                </a:outerShdw>
+              </a:effectLst>
+              <a:latin typeface="Arial" panose="020B0604020202020204" pitchFamily="34" charset="0"/>
+              <a:cs typeface="Arial" panose="020B0604020202020204" pitchFamily="34" charset="0"/>
+            </a:endParaRPr>
+          </a:p>
+        </p:txBody>
+      </p:sp>
+      <p:pic>
+        <p:nvPicPr>
+          <p:cNvPr id="2" name="Imagem 1"/>
+          <p:cNvPicPr>
+            <a:picLocks noChangeAspect="1"/>
+          </p:cNvPicPr>
+          <p:nvPr/>
+        </p:nvPicPr>
+        <p:blipFill>
+          <a:blip r:embed="rId3">
+            <a:extLst>
+              <a:ext uri="{28A0092B-C50C-407E-A947-70E740481C1C}">
+                <a14:useLocalDpi xmlns:a14="http://schemas.microsoft.com/office/drawing/2010/main" val="0"/>
+              </a:ext>
+            </a:extLst>
+          </a:blip>
+          <a:stretch>
+            <a:fillRect/>
+          </a:stretch>
+        </p:blipFill>
+        <p:spPr>
+          <a:xfrm>
+            <a:off x="4167187" y="1040394"/>
+            <a:ext cx="3272403" cy="5817605"/>
+          </a:xfrm>
+          <a:prstGeom prst="rect">
+            <a:avLst/>
+          </a:prstGeom>
+        </p:spPr>
+      </p:pic>
+    </p:spTree>
+    <p:extLst>
+      <p:ext uri="{BB962C8B-B14F-4D97-AF65-F5344CB8AC3E}">
+        <p14:creationId xmlns:p14="http://schemas.microsoft.com/office/powerpoint/2010/main" val="364225990"/>
+      </p:ext>
+    </p:extLst>
+  </p:cSld>
+  <p:clrMapOvr>
+    <a:masterClrMapping/>
+  </p:clrMapOvr>
+  <p:timing>
+    <p:tnLst>
+      <p:par>
+        <p:cTn id="1" dur="indefinite" restart="never" nodeType="tmRoot"/>
+      </p:par>
+    </p:tnLst>
+  </p:timing>
+</p:sld>
+</file>
+
+<file path=ppt/slides/slide16.xml><?xml version="1.0" encoding="utf-8"?>
+<p:sld xmlns:a="http://schemas.openxmlformats.org/drawingml/2006/main" xmlns:r="http://schemas.openxmlformats.org/officeDocument/2006/relationships" xmlns:p="http://schemas.openxmlformats.org/presentationml/2006/main">
+  <p:cSld>
+    <p:bg>
+      <p:bgPr>
+        <a:blipFill dpi="0" rotWithShape="1">
+          <a:blip r:embed="rId2">
+            <a:lum/>
+          </a:blip>
+          <a:srcRect/>
+          <a:stretch>
+            <a:fillRect l="-1000" r="-1000"/>
+          </a:stretch>
+        </a:blipFill>
+        <a:effectLst/>
+      </p:bgPr>
+    </p:bg>
+    <p:spTree>
+      <p:nvGrpSpPr>
+        <p:cNvPr id="1" name=""/>
+        <p:cNvGrpSpPr/>
+        <p:nvPr/>
+      </p:nvGrpSpPr>
+      <p:grpSpPr>
+        <a:xfrm>
+          <a:off x="0" y="0"/>
+          <a:ext cx="0" cy="0"/>
+          <a:chOff x="0" y="0"/>
+          <a:chExt cx="0" cy="0"/>
+        </a:xfrm>
+      </p:grpSpPr>
+      <p:sp>
+        <p:nvSpPr>
+          <p:cNvPr id="4" name="CaixaDeTexto 3"/>
+          <p:cNvSpPr txBox="1"/>
+          <p:nvPr/>
+        </p:nvSpPr>
+        <p:spPr>
+          <a:xfrm>
+            <a:off x="349136" y="332509"/>
+            <a:ext cx="9094124" cy="707886"/>
+          </a:xfrm>
+          <a:prstGeom prst="rect">
+            <a:avLst/>
+          </a:prstGeom>
+          <a:noFill/>
+        </p:spPr>
+        <p:txBody>
+          <a:bodyPr wrap="square" rtlCol="0">
+            <a:spAutoFit/>
+          </a:bodyPr>
+          <a:lstStyle/>
+          <a:p>
+            <a:pPr algn="ctr"/>
+            <a:r>
+              <a:rPr lang="pt-BR" sz="4000" b="1" dirty="0" smtClean="0">
+                <a:effectLst>
+                  <a:outerShdw blurRad="38100" dist="38100" dir="2700000" algn="tl">
+                    <a:srgbClr val="000000">
+                      <a:alpha val="43137"/>
+                    </a:srgbClr>
+                  </a:outerShdw>
+                </a:effectLst>
+                <a:latin typeface="Arial" panose="020B0604020202020204" pitchFamily="34" charset="0"/>
+                <a:cs typeface="Arial" panose="020B0604020202020204" pitchFamily="34" charset="0"/>
+              </a:rPr>
+              <a:t>5.5 Consulta de produtos</a:t>
+            </a:r>
+            <a:endParaRPr lang="pt-BR" sz="4000" b="1" dirty="0">
+              <a:effectLst>
+                <a:outerShdw blurRad="38100" dist="38100" dir="2700000" algn="tl">
+                  <a:srgbClr val="000000">
+                    <a:alpha val="43137"/>
+                  </a:srgbClr>
+                </a:outerShdw>
+              </a:effectLst>
+              <a:latin typeface="Arial" panose="020B0604020202020204" pitchFamily="34" charset="0"/>
+              <a:cs typeface="Arial" panose="020B0604020202020204" pitchFamily="34" charset="0"/>
+            </a:endParaRPr>
+          </a:p>
+        </p:txBody>
+      </p:sp>
+      <p:pic>
+        <p:nvPicPr>
+          <p:cNvPr id="2" name="Imagem 1"/>
+          <p:cNvPicPr>
+            <a:picLocks noChangeAspect="1"/>
+          </p:cNvPicPr>
+          <p:nvPr/>
+        </p:nvPicPr>
+        <p:blipFill>
+          <a:blip r:embed="rId3">
+            <a:extLst>
+              <a:ext uri="{28A0092B-C50C-407E-A947-70E740481C1C}">
+                <a14:useLocalDpi xmlns:a14="http://schemas.microsoft.com/office/drawing/2010/main" val="0"/>
+              </a:ext>
+            </a:extLst>
+          </a:blip>
+          <a:stretch>
+            <a:fillRect/>
+          </a:stretch>
+        </p:blipFill>
+        <p:spPr>
+          <a:xfrm>
+            <a:off x="4167188" y="1039860"/>
+            <a:ext cx="3272704" cy="5818140"/>
+          </a:xfrm>
+          <a:prstGeom prst="rect">
+            <a:avLst/>
+          </a:prstGeom>
+        </p:spPr>
+      </p:pic>
+    </p:spTree>
+    <p:extLst>
+      <p:ext uri="{BB962C8B-B14F-4D97-AF65-F5344CB8AC3E}">
+        <p14:creationId xmlns:p14="http://schemas.microsoft.com/office/powerpoint/2010/main" val="3135747657"/>
+      </p:ext>
+    </p:extLst>
+  </p:cSld>
+  <p:clrMapOvr>
+    <a:masterClrMapping/>
+  </p:clrMapOvr>
+  <p:timing>
+    <p:tnLst>
+      <p:par>
+        <p:cTn id="1" dur="indefinite" restart="never" nodeType="tmRoot"/>
+      </p:par>
+    </p:tnLst>
+  </p:timing>
+</p:sld>
+</file>
+
+<file path=ppt/slides/slide17.xml><?xml version="1.0" encoding="utf-8"?>
+<p:sld xmlns:a="http://schemas.openxmlformats.org/drawingml/2006/main" xmlns:r="http://schemas.openxmlformats.org/officeDocument/2006/relationships" xmlns:p="http://schemas.openxmlformats.org/presentationml/2006/main">
+  <p:cSld>
+    <p:bg>
+      <p:bgPr>
+        <a:blipFill dpi="0" rotWithShape="1">
+          <a:blip r:embed="rId2">
+            <a:lum/>
+          </a:blip>
+          <a:srcRect/>
+          <a:stretch>
+            <a:fillRect l="-1000" r="-1000"/>
+          </a:stretch>
+        </a:blipFill>
+        <a:effectLst/>
+      </p:bgPr>
+    </p:bg>
+    <p:spTree>
+      <p:nvGrpSpPr>
+        <p:cNvPr id="1" name=""/>
+        <p:cNvGrpSpPr/>
+        <p:nvPr/>
+      </p:nvGrpSpPr>
+      <p:grpSpPr>
+        <a:xfrm>
+          <a:off x="0" y="0"/>
+          <a:ext cx="0" cy="0"/>
+          <a:chOff x="0" y="0"/>
+          <a:chExt cx="0" cy="0"/>
+        </a:xfrm>
+      </p:grpSpPr>
+      <p:sp>
+        <p:nvSpPr>
+          <p:cNvPr id="4" name="CaixaDeTexto 3"/>
+          <p:cNvSpPr txBox="1"/>
+          <p:nvPr/>
+        </p:nvSpPr>
+        <p:spPr>
+          <a:xfrm>
+            <a:off x="349136" y="332509"/>
+            <a:ext cx="9094124" cy="707886"/>
+          </a:xfrm>
+          <a:prstGeom prst="rect">
+            <a:avLst/>
+          </a:prstGeom>
+          <a:noFill/>
+        </p:spPr>
+        <p:txBody>
+          <a:bodyPr wrap="square" rtlCol="0">
+            <a:spAutoFit/>
+          </a:bodyPr>
+          <a:lstStyle/>
+          <a:p>
+            <a:pPr algn="ctr"/>
+            <a:r>
+              <a:rPr lang="pt-BR" sz="4000" b="1" dirty="0" smtClean="0">
+                <a:effectLst>
+                  <a:outerShdw blurRad="38100" dist="38100" dir="2700000" algn="tl">
+                    <a:srgbClr val="000000">
+                      <a:alpha val="43137"/>
+                    </a:srgbClr>
+                  </a:outerShdw>
+                </a:effectLst>
+                <a:latin typeface="Arial" panose="020B0604020202020204" pitchFamily="34" charset="0"/>
+                <a:cs typeface="Arial" panose="020B0604020202020204" pitchFamily="34" charset="0"/>
+              </a:rPr>
+              <a:t>5.6 Cadastro de produtos</a:t>
+            </a:r>
+            <a:endParaRPr lang="pt-BR" sz="4000" b="1" dirty="0">
+              <a:effectLst>
+                <a:outerShdw blurRad="38100" dist="38100" dir="2700000" algn="tl">
+                  <a:srgbClr val="000000">
+                    <a:alpha val="43137"/>
+                  </a:srgbClr>
+                </a:outerShdw>
+              </a:effectLst>
+              <a:latin typeface="Arial" panose="020B0604020202020204" pitchFamily="34" charset="0"/>
+              <a:cs typeface="Arial" panose="020B0604020202020204" pitchFamily="34" charset="0"/>
+            </a:endParaRPr>
+          </a:p>
+        </p:txBody>
+      </p:sp>
+      <p:pic>
+        <p:nvPicPr>
+          <p:cNvPr id="2" name="Imagem 1"/>
+          <p:cNvPicPr>
+            <a:picLocks noChangeAspect="1"/>
+          </p:cNvPicPr>
+          <p:nvPr/>
+        </p:nvPicPr>
+        <p:blipFill>
+          <a:blip r:embed="rId3">
+            <a:extLst>
+              <a:ext uri="{28A0092B-C50C-407E-A947-70E740481C1C}">
+                <a14:useLocalDpi xmlns:a14="http://schemas.microsoft.com/office/drawing/2010/main" val="0"/>
+              </a:ext>
+            </a:extLst>
+          </a:blip>
+          <a:stretch>
+            <a:fillRect/>
+          </a:stretch>
+        </p:blipFill>
+        <p:spPr>
+          <a:xfrm>
+            <a:off x="4167187" y="1040394"/>
+            <a:ext cx="3272403" cy="5817605"/>
+          </a:xfrm>
+          <a:prstGeom prst="rect">
+            <a:avLst/>
+          </a:prstGeom>
+        </p:spPr>
+      </p:pic>
+    </p:spTree>
+    <p:extLst>
+      <p:ext uri="{BB962C8B-B14F-4D97-AF65-F5344CB8AC3E}">
+        <p14:creationId xmlns:p14="http://schemas.microsoft.com/office/powerpoint/2010/main" val="3104812960"/>
+      </p:ext>
+    </p:extLst>
+  </p:cSld>
+  <p:clrMapOvr>
+    <a:masterClrMapping/>
+  </p:clrMapOvr>
+  <p:timing>
+    <p:tnLst>
+      <p:par>
+        <p:cTn id="1" dur="indefinite" restart="never" nodeType="tmRoot"/>
+      </p:par>
+    </p:tnLst>
+  </p:timing>
+</p:sld>
+</file>
+
+<file path=ppt/slides/slide18.xml><?xml version="1.0" encoding="utf-8"?>
+<p:sld xmlns:a="http://schemas.openxmlformats.org/drawingml/2006/main" xmlns:r="http://schemas.openxmlformats.org/officeDocument/2006/relationships" xmlns:p="http://schemas.openxmlformats.org/presentationml/2006/main">
+  <p:cSld>
+    <p:bg>
+      <p:bgPr>
+        <a:blipFill dpi="0" rotWithShape="1">
+          <a:blip r:embed="rId2">
+            <a:lum/>
+          </a:blip>
+          <a:srcRect/>
+          <a:stretch>
+            <a:fillRect l="-1000" r="-1000"/>
+          </a:stretch>
+        </a:blipFill>
+        <a:effectLst/>
+      </p:bgPr>
+    </p:bg>
+    <p:spTree>
+      <p:nvGrpSpPr>
+        <p:cNvPr id="1" name=""/>
+        <p:cNvGrpSpPr/>
+        <p:nvPr/>
+      </p:nvGrpSpPr>
+      <p:grpSpPr>
+        <a:xfrm>
+          <a:off x="0" y="0"/>
+          <a:ext cx="0" cy="0"/>
+          <a:chOff x="0" y="0"/>
+          <a:chExt cx="0" cy="0"/>
+        </a:xfrm>
+      </p:grpSpPr>
+      <p:sp>
+        <p:nvSpPr>
+          <p:cNvPr id="4" name="CaixaDeTexto 3"/>
+          <p:cNvSpPr txBox="1"/>
+          <p:nvPr/>
+        </p:nvSpPr>
+        <p:spPr>
+          <a:xfrm>
+            <a:off x="349136" y="332509"/>
+            <a:ext cx="9094124" cy="707886"/>
+          </a:xfrm>
+          <a:prstGeom prst="rect">
+            <a:avLst/>
+          </a:prstGeom>
+          <a:noFill/>
+        </p:spPr>
+        <p:txBody>
+          <a:bodyPr wrap="square" rtlCol="0">
+            <a:spAutoFit/>
+          </a:bodyPr>
+          <a:lstStyle/>
+          <a:p>
+            <a:pPr algn="ctr"/>
+            <a:r>
+              <a:rPr lang="pt-BR" sz="4000" b="1" dirty="0" smtClean="0">
+                <a:effectLst>
+                  <a:outerShdw blurRad="38100" dist="38100" dir="2700000" algn="tl">
+                    <a:srgbClr val="000000">
+                      <a:alpha val="43137"/>
+                    </a:srgbClr>
+                  </a:outerShdw>
+                </a:effectLst>
+                <a:latin typeface="Arial" panose="020B0604020202020204" pitchFamily="34" charset="0"/>
+                <a:cs typeface="Arial" panose="020B0604020202020204" pitchFamily="34" charset="0"/>
+              </a:rPr>
+              <a:t>5.7 Consulta de vendas</a:t>
+            </a:r>
+            <a:endParaRPr lang="pt-BR" sz="4000" b="1" dirty="0">
+              <a:effectLst>
+                <a:outerShdw blurRad="38100" dist="38100" dir="2700000" algn="tl">
+                  <a:srgbClr val="000000">
+                    <a:alpha val="43137"/>
+                  </a:srgbClr>
+                </a:outerShdw>
+              </a:effectLst>
+              <a:latin typeface="Arial" panose="020B0604020202020204" pitchFamily="34" charset="0"/>
+              <a:cs typeface="Arial" panose="020B0604020202020204" pitchFamily="34" charset="0"/>
+            </a:endParaRPr>
+          </a:p>
+        </p:txBody>
+      </p:sp>
+      <p:pic>
+        <p:nvPicPr>
+          <p:cNvPr id="2" name="Imagem 1"/>
+          <p:cNvPicPr>
+            <a:picLocks noChangeAspect="1"/>
+          </p:cNvPicPr>
+          <p:nvPr/>
+        </p:nvPicPr>
+        <p:blipFill>
+          <a:blip r:embed="rId3">
+            <a:extLst>
+              <a:ext uri="{28A0092B-C50C-407E-A947-70E740481C1C}">
+                <a14:useLocalDpi xmlns:a14="http://schemas.microsoft.com/office/drawing/2010/main" val="0"/>
+              </a:ext>
+            </a:extLst>
+          </a:blip>
+          <a:stretch>
+            <a:fillRect/>
+          </a:stretch>
+        </p:blipFill>
+        <p:spPr>
+          <a:xfrm>
+            <a:off x="4167187" y="1040394"/>
+            <a:ext cx="3272403" cy="5817605"/>
+          </a:xfrm>
+          <a:prstGeom prst="rect">
+            <a:avLst/>
+          </a:prstGeom>
+        </p:spPr>
+      </p:pic>
+    </p:spTree>
+    <p:extLst>
+      <p:ext uri="{BB962C8B-B14F-4D97-AF65-F5344CB8AC3E}">
+        <p14:creationId xmlns:p14="http://schemas.microsoft.com/office/powerpoint/2010/main" val="2246333066"/>
+      </p:ext>
+    </p:extLst>
+  </p:cSld>
+  <p:clrMapOvr>
+    <a:masterClrMapping/>
+  </p:clrMapOvr>
+  <p:timing>
+    <p:tnLst>
+      <p:par>
+        <p:cTn id="1" dur="indefinite" restart="never" nodeType="tmRoot"/>
+      </p:par>
+    </p:tnLst>
+  </p:timing>
+</p:sld>
+</file>
+
+<file path=ppt/slides/slide19.xml><?xml version="1.0" encoding="utf-8"?>
+<p:sld xmlns:a="http://schemas.openxmlformats.org/drawingml/2006/main" xmlns:r="http://schemas.openxmlformats.org/officeDocument/2006/relationships" xmlns:p="http://schemas.openxmlformats.org/presentationml/2006/main">
+  <p:cSld>
+    <p:bg>
+      <p:bgPr>
+        <a:blipFill dpi="0" rotWithShape="1">
+          <a:blip r:embed="rId2">
+            <a:lum/>
+          </a:blip>
+          <a:srcRect/>
+          <a:stretch>
+            <a:fillRect l="-1000" r="-1000"/>
+          </a:stretch>
+        </a:blipFill>
+        <a:effectLst/>
+      </p:bgPr>
+    </p:bg>
+    <p:spTree>
+      <p:nvGrpSpPr>
+        <p:cNvPr id="1" name=""/>
+        <p:cNvGrpSpPr/>
+        <p:nvPr/>
+      </p:nvGrpSpPr>
+      <p:grpSpPr>
+        <a:xfrm>
+          <a:off x="0" y="0"/>
+          <a:ext cx="0" cy="0"/>
+          <a:chOff x="0" y="0"/>
+          <a:chExt cx="0" cy="0"/>
+        </a:xfrm>
+      </p:grpSpPr>
+      <p:sp>
+        <p:nvSpPr>
+          <p:cNvPr id="4" name="CaixaDeTexto 3"/>
+          <p:cNvSpPr txBox="1"/>
+          <p:nvPr/>
+        </p:nvSpPr>
+        <p:spPr>
+          <a:xfrm>
+            <a:off x="349136" y="332509"/>
+            <a:ext cx="9094124" cy="707886"/>
+          </a:xfrm>
+          <a:prstGeom prst="rect">
+            <a:avLst/>
+          </a:prstGeom>
+          <a:noFill/>
+        </p:spPr>
+        <p:txBody>
+          <a:bodyPr wrap="square" rtlCol="0">
+            <a:spAutoFit/>
+          </a:bodyPr>
+          <a:lstStyle/>
+          <a:p>
+            <a:pPr algn="ctr"/>
+            <a:r>
+              <a:rPr lang="pt-BR" sz="4000" b="1" dirty="0" smtClean="0">
+                <a:effectLst>
+                  <a:outerShdw blurRad="38100" dist="38100" dir="2700000" algn="tl">
+                    <a:srgbClr val="000000">
+                      <a:alpha val="43137"/>
+                    </a:srgbClr>
+                  </a:outerShdw>
+                </a:effectLst>
+                <a:latin typeface="Arial" panose="020B0604020202020204" pitchFamily="34" charset="0"/>
+                <a:cs typeface="Arial" panose="020B0604020202020204" pitchFamily="34" charset="0"/>
+              </a:rPr>
+              <a:t>5.8 Cadastro de vendas</a:t>
+            </a:r>
+            <a:endParaRPr lang="pt-BR" sz="4000" b="1" dirty="0">
+              <a:effectLst>
+                <a:outerShdw blurRad="38100" dist="38100" dir="2700000" algn="tl">
+                  <a:srgbClr val="000000">
+                    <a:alpha val="43137"/>
+                  </a:srgbClr>
+                </a:outerShdw>
+              </a:effectLst>
+              <a:latin typeface="Arial" panose="020B0604020202020204" pitchFamily="34" charset="0"/>
+              <a:cs typeface="Arial" panose="020B0604020202020204" pitchFamily="34" charset="0"/>
+            </a:endParaRPr>
+          </a:p>
+        </p:txBody>
+      </p:sp>
+      <p:pic>
+        <p:nvPicPr>
+          <p:cNvPr id="2" name="Imagem 1"/>
+          <p:cNvPicPr>
+            <a:picLocks noChangeAspect="1"/>
+          </p:cNvPicPr>
+          <p:nvPr/>
+        </p:nvPicPr>
+        <p:blipFill>
+          <a:blip r:embed="rId3">
+            <a:extLst>
+              <a:ext uri="{28A0092B-C50C-407E-A947-70E740481C1C}">
+                <a14:useLocalDpi xmlns:a14="http://schemas.microsoft.com/office/drawing/2010/main" val="0"/>
+              </a:ext>
+            </a:extLst>
+          </a:blip>
+          <a:stretch>
+            <a:fillRect/>
+          </a:stretch>
+        </p:blipFill>
+        <p:spPr>
+          <a:xfrm>
+            <a:off x="4167187" y="1040394"/>
+            <a:ext cx="3272403" cy="5817605"/>
+          </a:xfrm>
+          <a:prstGeom prst="rect">
+            <a:avLst/>
+          </a:prstGeom>
+        </p:spPr>
+      </p:pic>
+    </p:spTree>
+    <p:extLst>
+      <p:ext uri="{BB962C8B-B14F-4D97-AF65-F5344CB8AC3E}">
+        <p14:creationId xmlns:p14="http://schemas.microsoft.com/office/powerpoint/2010/main" val="320382001"/>
       </p:ext>
     </p:extLst>
   </p:cSld>
@@ -3677,6 +4617,7 @@
           </a:bodyPr>
           <a:lstStyle/>
           <a:p>
+            <a:pPr algn="just"/>
             <a:r>
               <a:rPr lang="pt-BR" sz="2800" dirty="0" smtClean="0">
                 <a:latin typeface="Arial" panose="020B0604020202020204" pitchFamily="34" charset="0"/>
@@ -3686,6 +4627,7 @@
             </a:r>
           </a:p>
           <a:p>
+            <a:pPr algn="just"/>
             <a:r>
               <a:rPr lang="pt-BR" sz="2800" dirty="0">
                 <a:latin typeface="Arial" panose="020B0604020202020204" pitchFamily="34" charset="0"/>
@@ -3702,6 +4644,7 @@
             </a:r>
           </a:p>
           <a:p>
+            <a:pPr algn="just"/>
             <a:r>
               <a:rPr lang="pt-BR" sz="2800" dirty="0">
                 <a:latin typeface="Arial" panose="020B0604020202020204" pitchFamily="34" charset="0"/>
@@ -3718,6 +4661,7 @@
             </a:r>
           </a:p>
           <a:p>
+            <a:pPr algn="just"/>
             <a:r>
               <a:rPr lang="pt-BR" sz="2800" dirty="0">
                 <a:latin typeface="Arial" panose="020B0604020202020204" pitchFamily="34" charset="0"/>
@@ -3912,6 +4856,138 @@
 </p:sld>
 </file>
 
+<file path=ppt/slides/slide20.xml><?xml version="1.0" encoding="utf-8"?>
+<p:sld xmlns:a="http://schemas.openxmlformats.org/drawingml/2006/main" xmlns:r="http://schemas.openxmlformats.org/officeDocument/2006/relationships" xmlns:p="http://schemas.openxmlformats.org/presentationml/2006/main">
+  <p:cSld>
+    <p:bg>
+      <p:bgPr>
+        <a:blipFill dpi="0" rotWithShape="1">
+          <a:blip r:embed="rId2">
+            <a:lum/>
+          </a:blip>
+          <a:srcRect/>
+          <a:stretch>
+            <a:fillRect l="-1000" r="-1000"/>
+          </a:stretch>
+        </a:blipFill>
+        <a:effectLst/>
+      </p:bgPr>
+    </p:bg>
+    <p:spTree>
+      <p:nvGrpSpPr>
+        <p:cNvPr id="1" name=""/>
+        <p:cNvGrpSpPr/>
+        <p:nvPr/>
+      </p:nvGrpSpPr>
+      <p:grpSpPr>
+        <a:xfrm>
+          <a:off x="0" y="0"/>
+          <a:ext cx="0" cy="0"/>
+          <a:chOff x="0" y="0"/>
+          <a:chExt cx="0" cy="0"/>
+        </a:xfrm>
+      </p:grpSpPr>
+      <p:sp>
+        <p:nvSpPr>
+          <p:cNvPr id="4" name="CaixaDeTexto 3"/>
+          <p:cNvSpPr txBox="1"/>
+          <p:nvPr/>
+        </p:nvSpPr>
+        <p:spPr>
+          <a:xfrm>
+            <a:off x="349136" y="332509"/>
+            <a:ext cx="9094124" cy="707886"/>
+          </a:xfrm>
+          <a:prstGeom prst="rect">
+            <a:avLst/>
+          </a:prstGeom>
+          <a:noFill/>
+        </p:spPr>
+        <p:txBody>
+          <a:bodyPr wrap="square" rtlCol="0">
+            <a:spAutoFit/>
+          </a:bodyPr>
+          <a:lstStyle/>
+          <a:p>
+            <a:pPr algn="ctr"/>
+            <a:r>
+              <a:rPr lang="pt-BR" sz="4000" b="1" dirty="0" smtClean="0">
+                <a:effectLst>
+                  <a:outerShdw blurRad="38100" dist="38100" dir="2700000" algn="tl">
+                    <a:srgbClr val="000000">
+                      <a:alpha val="43137"/>
+                    </a:srgbClr>
+                  </a:outerShdw>
+                </a:effectLst>
+                <a:latin typeface="Arial" panose="020B0604020202020204" pitchFamily="34" charset="0"/>
+                <a:cs typeface="Arial" panose="020B0604020202020204" pitchFamily="34" charset="0"/>
+              </a:rPr>
+              <a:t>5.9 Menu de opções</a:t>
+            </a:r>
+            <a:endParaRPr lang="pt-BR" sz="4000" b="1" dirty="0">
+              <a:effectLst>
+                <a:outerShdw blurRad="38100" dist="38100" dir="2700000" algn="tl">
+                  <a:srgbClr val="000000">
+                    <a:alpha val="43137"/>
+                  </a:srgbClr>
+                </a:outerShdw>
+              </a:effectLst>
+              <a:latin typeface="Arial" panose="020B0604020202020204" pitchFamily="34" charset="0"/>
+              <a:cs typeface="Arial" panose="020B0604020202020204" pitchFamily="34" charset="0"/>
+            </a:endParaRPr>
+          </a:p>
+        </p:txBody>
+      </p:sp>
+      <p:pic>
+        <p:nvPicPr>
+          <p:cNvPr id="2" name="Imagem 1"/>
+          <p:cNvPicPr>
+            <a:picLocks noChangeAspect="1"/>
+          </p:cNvPicPr>
+          <p:nvPr/>
+        </p:nvPicPr>
+        <p:blipFill>
+          <a:blip r:embed="rId3">
+            <a:extLst>
+              <a:ext uri="{28A0092B-C50C-407E-A947-70E740481C1C}">
+                <a14:useLocalDpi xmlns:a14="http://schemas.microsoft.com/office/drawing/2010/main" val="0"/>
+              </a:ext>
+            </a:extLst>
+          </a:blip>
+          <a:stretch>
+            <a:fillRect/>
+          </a:stretch>
+        </p:blipFill>
+        <p:spPr>
+          <a:xfrm>
+            <a:off x="4167187" y="1040394"/>
+            <a:ext cx="3272403" cy="5817605"/>
+          </a:xfrm>
+          <a:prstGeom prst="rect">
+            <a:avLst/>
+          </a:prstGeom>
+        </p:spPr>
+      </p:pic>
+    </p:spTree>
+    <p:extLst>
+      <p:ext uri="{BB962C8B-B14F-4D97-AF65-F5344CB8AC3E}">
+        <p14:creationId xmlns:p14="http://schemas.microsoft.com/office/powerpoint/2010/main" val="106571273"/>
+      </p:ext>
+    </p:extLst>
+  </p:cSld>
+  <p:clrMapOvr>
+    <a:masterClrMapping/>
+  </p:clrMapOvr>
+  <p:timing>
+    <p:tnLst>
+      <p:par>
+        <p:cTn id="1" dur="indefinite" restart="never" nodeType="tmRoot"/>
+      </p:par>
+    </p:tnLst>
+  </p:timing>
+</p:sld>
+</file>
+
 <file path=ppt/slides/slide3.xml><?xml version="1.0" encoding="utf-8"?>
 <p:sld xmlns:a="http://schemas.openxmlformats.org/drawingml/2006/main" xmlns:r="http://schemas.openxmlformats.org/officeDocument/2006/relationships" xmlns:p="http://schemas.openxmlformats.org/presentationml/2006/main">
   <p:cSld>
@@ -4142,6 +5218,7 @@
           </a:bodyPr>
           <a:lstStyle/>
           <a:p>
+            <a:pPr algn="just"/>
             <a:r>
               <a:rPr lang="pt-BR" sz="2800" dirty="0">
                 <a:latin typeface="Arial" panose="020B0604020202020204" pitchFamily="34" charset="0"/>
@@ -4172,12 +5249,14 @@
             </a:r>
           </a:p>
           <a:p>
+            <a:pPr algn="just"/>
             <a:endParaRPr lang="pt-BR" sz="2800" dirty="0">
               <a:latin typeface="Arial" panose="020B0604020202020204" pitchFamily="34" charset="0"/>
               <a:cs typeface="Arial" panose="020B0604020202020204" pitchFamily="34" charset="0"/>
             </a:endParaRPr>
           </a:p>
           <a:p>
+            <a:pPr algn="just"/>
             <a:r>
               <a:rPr lang="pt-BR" sz="2800" dirty="0" smtClean="0">
                 <a:latin typeface="Arial" panose="020B0604020202020204" pitchFamily="34" charset="0"/>
@@ -4215,12 +5294,14 @@
             </a:r>
           </a:p>
           <a:p>
+            <a:pPr algn="just"/>
             <a:endParaRPr lang="pt-BR" sz="2800" dirty="0">
               <a:latin typeface="Arial" panose="020B0604020202020204" pitchFamily="34" charset="0"/>
               <a:cs typeface="Arial" panose="020B0604020202020204" pitchFamily="34" charset="0"/>
             </a:endParaRPr>
           </a:p>
           <a:p>
+            <a:pPr algn="just"/>
             <a:r>
               <a:rPr lang="pt-BR" sz="2800" dirty="0" err="1" smtClean="0">
                 <a:latin typeface="Arial" panose="020B0604020202020204" pitchFamily="34" charset="0"/>
@@ -4237,6 +5318,7 @@
             </a:r>
           </a:p>
           <a:p>
+            <a:pPr algn="just"/>
             <a:r>
               <a:rPr lang="pt-BR" sz="2800" dirty="0" err="1" smtClean="0">
                 <a:latin typeface="Arial" panose="020B0604020202020204" pitchFamily="34" charset="0"/>
@@ -4344,21 +5426,7 @@
                 <a:latin typeface="Arial" panose="020B0604020202020204" pitchFamily="34" charset="0"/>
                 <a:cs typeface="Arial" panose="020B0604020202020204" pitchFamily="34" charset="0"/>
               </a:rPr>
-              <a:t>2. </a:t>
-            </a:r>
-            <a:r>
-              <a:rPr lang="pt-BR" sz="4000" b="1" dirty="0" smtClean="0">
-                <a:effectLst>
-                  <a:outerShdw blurRad="38100" dist="38100" dir="2700000" algn="tl">
-                    <a:srgbClr val="000000">
-                      <a:alpha val="43137"/>
-                    </a:srgbClr>
-                  </a:outerShdw>
-                </a:effectLst>
-                <a:latin typeface="Arial" panose="020B0604020202020204" pitchFamily="34" charset="0"/>
-                <a:cs typeface="Arial" panose="020B0604020202020204" pitchFamily="34" charset="0"/>
-              </a:rPr>
-              <a:t>Encapsulamento</a:t>
+              <a:t>2. Encapsulamento</a:t>
             </a:r>
             <a:endParaRPr lang="pt-BR" sz="4000" b="1" dirty="0">
               <a:effectLst>
@@ -4570,6 +5638,7 @@
           </a:bodyPr>
           <a:lstStyle/>
           <a:p>
+            <a:pPr algn="just"/>
             <a:r>
               <a:rPr lang="pt-BR" sz="2800" dirty="0" smtClean="0">
                 <a:latin typeface="Arial" panose="020B0604020202020204" pitchFamily="34" charset="0"/>
@@ -4607,12 +5676,14 @@
             </a:r>
           </a:p>
           <a:p>
+            <a:pPr algn="just"/>
             <a:endParaRPr lang="pt-BR" sz="2800" dirty="0">
               <a:latin typeface="Arial" panose="020B0604020202020204" pitchFamily="34" charset="0"/>
               <a:cs typeface="Arial" panose="020B0604020202020204" pitchFamily="34" charset="0"/>
             </a:endParaRPr>
           </a:p>
           <a:p>
+            <a:pPr algn="just"/>
             <a:r>
               <a:rPr lang="pt-BR" sz="2800" dirty="0" smtClean="0">
                 <a:latin typeface="Arial" panose="020B0604020202020204" pitchFamily="34" charset="0"/>
@@ -5111,8 +6182,8 @@
         </p:nvSpPr>
         <p:spPr>
           <a:xfrm>
-            <a:off x="1208117" y="2272144"/>
-            <a:ext cx="8401396" cy="523220"/>
+            <a:off x="493223" y="1632064"/>
+            <a:ext cx="8401396" cy="2677656"/>
           </a:xfrm>
           <a:prstGeom prst="rect">
             <a:avLst/>
@@ -5125,12 +6196,13 @@
           </a:bodyPr>
           <a:lstStyle/>
           <a:p>
-            <a:r>
-              <a:rPr lang="pt-BR" sz="2800" dirty="0" smtClean="0">
+            <a:pPr algn="just"/>
+            <a:r>
+              <a:rPr lang="pt-BR" sz="2800" dirty="0">
                 <a:latin typeface="Arial" panose="020B0604020202020204" pitchFamily="34" charset="0"/>
                 <a:cs typeface="Arial" panose="020B0604020202020204" pitchFamily="34" charset="0"/>
               </a:rPr>
-              <a:t>Texto</a:t>
+              <a:t>Definimos Polimorfismo como um princípio a partir do qual as classes derivadas de uma única classe base são capazes de invocar os métodos que, embora apresentem a mesma assinatura, comportam-se de maneira diferente para cada uma das classes derivadas.</a:t>
             </a:r>
             <a:endParaRPr lang="pt-BR" sz="2800" dirty="0">
               <a:latin typeface="Arial" panose="020B0604020202020204" pitchFamily="34" charset="0"/>
